--- a/defensive-publications/e-receipts.pptx
+++ b/defensive-publications/e-receipts.pptx
@@ -8,6 +8,7 @@
   <p:sldIdLst>
     <p:sldId id="256" r:id="rId3"/>
     <p:sldId id="257" r:id="rId4"/>
+    <p:sldId id="258" r:id="rId5"/>
   </p:sldIdLst>
   <p:sldSz cx="9144000" cy="6858000" type="screen4x3"/>
   <p:notesSz cx="6858000" cy="9144000"/>
@@ -261,7 +262,7 @@
           <a:p>
             <a:fld id="{35CC73B5-F36B-4506-8E26-0B0C91D7503F}" type="datetimeFigureOut">
               <a:rPr lang="en-US" smtClean="0"/>
-              <a:t>2023-11-25</a:t>
+              <a:t>2023-11-27</a:t>
             </a:fld>
             <a:endParaRPr lang="en-US"/>
           </a:p>
@@ -549,7 +550,7 @@
           <a:p>
             <a:fld id="{35CC73B5-F36B-4506-8E26-0B0C91D7503F}" type="datetimeFigureOut">
               <a:rPr lang="en-US" smtClean="0"/>
-              <a:t>2023-11-25</a:t>
+              <a:t>2023-11-27</a:t>
             </a:fld>
             <a:endParaRPr lang="en-US"/>
           </a:p>
@@ -747,7 +748,7 @@
           <a:p>
             <a:fld id="{35CC73B5-F36B-4506-8E26-0B0C91D7503F}" type="datetimeFigureOut">
               <a:rPr lang="en-US" smtClean="0"/>
-              <a:t>2023-11-25</a:t>
+              <a:t>2023-11-27</a:t>
             </a:fld>
             <a:endParaRPr lang="en-US"/>
           </a:p>
@@ -955,7 +956,7 @@
           <a:p>
             <a:fld id="{35CC73B5-F36B-4506-8E26-0B0C91D7503F}" type="datetimeFigureOut">
               <a:rPr lang="en-US" smtClean="0"/>
-              <a:t>2023-11-25</a:t>
+              <a:t>2023-11-27</a:t>
             </a:fld>
             <a:endParaRPr lang="en-US"/>
           </a:p>
@@ -1159,7 +1160,7 @@
           <a:p>
             <a:fld id="{35CC73B5-F36B-4506-8E26-0B0C91D7503F}" type="datetimeFigureOut">
               <a:rPr lang="en-US" smtClean="0"/>
-              <a:t>2023-11-25</a:t>
+              <a:t>2023-11-27</a:t>
             </a:fld>
             <a:endParaRPr lang="en-US"/>
           </a:p>
@@ -1329,7 +1330,7 @@
           <a:p>
             <a:fld id="{35CC73B5-F36B-4506-8E26-0B0C91D7503F}" type="datetimeFigureOut">
               <a:rPr lang="en-US" smtClean="0"/>
-              <a:t>2023-11-25</a:t>
+              <a:t>2023-11-27</a:t>
             </a:fld>
             <a:endParaRPr lang="en-US" dirty="0"/>
           </a:p>
@@ -1573,7 +1574,7 @@
           <a:p>
             <a:fld id="{35CC73B5-F36B-4506-8E26-0B0C91D7503F}" type="datetimeFigureOut">
               <a:rPr lang="en-US" smtClean="0"/>
-              <a:t>2023-11-25</a:t>
+              <a:t>2023-11-27</a:t>
             </a:fld>
             <a:endParaRPr lang="en-US"/>
           </a:p>
@@ -1805,7 +1806,7 @@
           <a:p>
             <a:fld id="{35CC73B5-F36B-4506-8E26-0B0C91D7503F}" type="datetimeFigureOut">
               <a:rPr lang="en-US" smtClean="0"/>
-              <a:t>2023-11-25</a:t>
+              <a:t>2023-11-27</a:t>
             </a:fld>
             <a:endParaRPr lang="en-US"/>
           </a:p>
@@ -2172,7 +2173,7 @@
           <a:p>
             <a:fld id="{35CC73B5-F36B-4506-8E26-0B0C91D7503F}" type="datetimeFigureOut">
               <a:rPr lang="en-US" smtClean="0"/>
-              <a:t>2023-11-25</a:t>
+              <a:t>2023-11-27</a:t>
             </a:fld>
             <a:endParaRPr lang="en-US"/>
           </a:p>
@@ -2290,7 +2291,7 @@
           <a:p>
             <a:fld id="{35CC73B5-F36B-4506-8E26-0B0C91D7503F}" type="datetimeFigureOut">
               <a:rPr lang="en-US" smtClean="0"/>
-              <a:t>2023-11-25</a:t>
+              <a:t>2023-11-27</a:t>
             </a:fld>
             <a:endParaRPr lang="en-US"/>
           </a:p>
@@ -2385,7 +2386,7 @@
           <a:p>
             <a:fld id="{35CC73B5-F36B-4506-8E26-0B0C91D7503F}" type="datetimeFigureOut">
               <a:rPr lang="en-US" smtClean="0"/>
-              <a:t>2023-11-25</a:t>
+              <a:t>2023-11-27</a:t>
             </a:fld>
             <a:endParaRPr lang="en-US"/>
           </a:p>
@@ -2727,7 +2728,7 @@
           <a:p>
             <a:fld id="{35CC73B5-F36B-4506-8E26-0B0C91D7503F}" type="datetimeFigureOut">
               <a:rPr lang="en-US" smtClean="0"/>
-              <a:t>2023-11-25</a:t>
+              <a:t>2023-11-27</a:t>
             </a:fld>
             <a:endParaRPr lang="en-US"/>
           </a:p>
@@ -2984,7 +2985,7 @@
           <a:p>
             <a:fld id="{35CC73B5-F36B-4506-8E26-0B0C91D7503F}" type="datetimeFigureOut">
               <a:rPr lang="en-US" smtClean="0"/>
-              <a:t>2023-11-25</a:t>
+              <a:t>2023-11-27</a:t>
             </a:fld>
             <a:endParaRPr lang="en-US"/>
           </a:p>
@@ -3154,7 +3155,7 @@
           <a:p>
             <a:fld id="{35CC73B5-F36B-4506-8E26-0B0C91D7503F}" type="datetimeFigureOut">
               <a:rPr lang="en-US" smtClean="0"/>
-              <a:t>2023-11-25</a:t>
+              <a:t>2023-11-27</a:t>
             </a:fld>
             <a:endParaRPr lang="en-US"/>
           </a:p>
@@ -3334,7 +3335,7 @@
           <a:p>
             <a:fld id="{35CC73B5-F36B-4506-8E26-0B0C91D7503F}" type="datetimeFigureOut">
               <a:rPr lang="en-US" smtClean="0"/>
-              <a:t>2023-11-25</a:t>
+              <a:t>2023-11-27</a:t>
             </a:fld>
             <a:endParaRPr lang="en-US"/>
           </a:p>
@@ -3593,7 +3594,7 @@
           <a:p>
             <a:fld id="{35CC73B5-F36B-4506-8E26-0B0C91D7503F}" type="datetimeFigureOut">
               <a:rPr lang="en-US" smtClean="0"/>
-              <a:t>2023-11-25</a:t>
+              <a:t>2023-11-27</a:t>
             </a:fld>
             <a:endParaRPr lang="en-US" dirty="0"/>
           </a:p>
@@ -3868,7 +3869,7 @@
           <a:p>
             <a:fld id="{35CC73B5-F36B-4506-8E26-0B0C91D7503F}" type="datetimeFigureOut">
               <a:rPr lang="en-US" smtClean="0"/>
-              <a:t>2023-11-25</a:t>
+              <a:t>2023-11-27</a:t>
             </a:fld>
             <a:endParaRPr lang="en-US"/>
           </a:p>
@@ -4133,7 +4134,7 @@
           <a:p>
             <a:fld id="{35CC73B5-F36B-4506-8E26-0B0C91D7503F}" type="datetimeFigureOut">
               <a:rPr lang="en-US" smtClean="0"/>
-              <a:t>2023-11-25</a:t>
+              <a:t>2023-11-27</a:t>
             </a:fld>
             <a:endParaRPr lang="en-US"/>
           </a:p>
@@ -4545,7 +4546,7 @@
           <a:p>
             <a:fld id="{35CC73B5-F36B-4506-8E26-0B0C91D7503F}" type="datetimeFigureOut">
               <a:rPr lang="en-US" smtClean="0"/>
-              <a:t>2023-11-25</a:t>
+              <a:t>2023-11-27</a:t>
             </a:fld>
             <a:endParaRPr lang="en-US"/>
           </a:p>
@@ -4686,7 +4687,7 @@
           <a:p>
             <a:fld id="{35CC73B5-F36B-4506-8E26-0B0C91D7503F}" type="datetimeFigureOut">
               <a:rPr lang="en-US" smtClean="0"/>
-              <a:t>2023-11-25</a:t>
+              <a:t>2023-11-27</a:t>
             </a:fld>
             <a:endParaRPr lang="en-US"/>
           </a:p>
@@ -4799,7 +4800,7 @@
           <a:p>
             <a:fld id="{35CC73B5-F36B-4506-8E26-0B0C91D7503F}" type="datetimeFigureOut">
               <a:rPr lang="en-US" smtClean="0"/>
-              <a:t>2023-11-25</a:t>
+              <a:t>2023-11-27</a:t>
             </a:fld>
             <a:endParaRPr lang="en-US"/>
           </a:p>
@@ -5110,7 +5111,7 @@
           <a:p>
             <a:fld id="{35CC73B5-F36B-4506-8E26-0B0C91D7503F}" type="datetimeFigureOut">
               <a:rPr lang="en-US" smtClean="0"/>
-              <a:t>2023-11-25</a:t>
+              <a:t>2023-11-27</a:t>
             </a:fld>
             <a:endParaRPr lang="en-US"/>
           </a:p>
@@ -5351,7 +5352,7 @@
           <a:p>
             <a:fld id="{35CC73B5-F36B-4506-8E26-0B0C91D7503F}" type="datetimeFigureOut">
               <a:rPr lang="en-US" smtClean="0"/>
-              <a:t>2023-11-25</a:t>
+              <a:t>2023-11-27</a:t>
             </a:fld>
             <a:endParaRPr lang="en-US"/>
           </a:p>
@@ -5904,7 +5905,7 @@
           <a:p>
             <a:fld id="{35CC73B5-F36B-4506-8E26-0B0C91D7503F}" type="datetimeFigureOut">
               <a:rPr lang="en-US" smtClean="0"/>
-              <a:t>2023-11-25</a:t>
+              <a:t>2023-11-27</a:t>
             </a:fld>
             <a:endParaRPr lang="en-US"/>
           </a:p>
@@ -7410,6 +7411,115 @@
     <p:extLst>
       <p:ext uri="{BB962C8B-B14F-4D97-AF65-F5344CB8AC3E}">
         <p14:creationId xmlns:p14="http://schemas.microsoft.com/office/powerpoint/2010/main" val="3675430589"/>
+      </p:ext>
+    </p:extLst>
+  </p:cSld>
+  <p:clrMapOvr>
+    <a:masterClrMapping/>
+  </p:clrMapOvr>
+</p:sld>
+</file>
+
+<file path=ppt/slides/slide3.xml><?xml version="1.0" encoding="utf-8"?>
+<p:sld xmlns:a="http://schemas.openxmlformats.org/drawingml/2006/main" xmlns:r="http://schemas.openxmlformats.org/officeDocument/2006/relationships" xmlns:p="http://schemas.openxmlformats.org/presentationml/2006/main">
+  <p:cSld>
+    <p:spTree>
+      <p:nvGrpSpPr>
+        <p:cNvPr id="1" name=""/>
+        <p:cNvGrpSpPr/>
+        <p:nvPr/>
+      </p:nvGrpSpPr>
+      <p:grpSpPr>
+        <a:xfrm>
+          <a:off x="0" y="0"/>
+          <a:ext cx="0" cy="0"/>
+          <a:chOff x="0" y="0"/>
+          <a:chExt cx="0" cy="0"/>
+        </a:xfrm>
+      </p:grpSpPr>
+      <p:pic>
+        <p:nvPicPr>
+          <p:cNvPr id="5" name="Picture 4">
+            <a:extLst>
+              <a:ext uri="{FF2B5EF4-FFF2-40B4-BE49-F238E27FC236}">
+                <a16:creationId xmlns:a16="http://schemas.microsoft.com/office/drawing/2014/main" id="{F141F1C8-6A1A-91DB-0C13-F19913B17688}"/>
+              </a:ext>
+            </a:extLst>
+          </p:cNvPr>
+          <p:cNvPicPr>
+            <a:picLocks noChangeAspect="1"/>
+          </p:cNvPicPr>
+          <p:nvPr/>
+        </p:nvPicPr>
+        <p:blipFill>
+          <a:blip r:embed="rId2">
+            <a:extLst>
+              <a:ext uri="{28A0092B-C50C-407E-A947-70E740481C1C}">
+                <a14:useLocalDpi xmlns:a14="http://schemas.microsoft.com/office/drawing/2010/main" val="0"/>
+              </a:ext>
+            </a:extLst>
+          </a:blip>
+          <a:stretch>
+            <a:fillRect/>
+          </a:stretch>
+        </p:blipFill>
+        <p:spPr>
+          <a:xfrm>
+            <a:off x="1239866" y="18754"/>
+            <a:ext cx="6664268" cy="6820491"/>
+          </a:xfrm>
+          <a:prstGeom prst="rect">
+            <a:avLst/>
+          </a:prstGeom>
+        </p:spPr>
+      </p:pic>
+      <p:sp>
+        <p:nvSpPr>
+          <p:cNvPr id="7" name="TextBox 6">
+            <a:extLst>
+              <a:ext uri="{FF2B5EF4-FFF2-40B4-BE49-F238E27FC236}">
+                <a16:creationId xmlns:a16="http://schemas.microsoft.com/office/drawing/2014/main" id="{3600DD74-349C-5B18-15D5-54E083305CA3}"/>
+              </a:ext>
+            </a:extLst>
+          </p:cNvPr>
+          <p:cNvSpPr txBox="1"/>
+          <p:nvPr/>
+        </p:nvSpPr>
+        <p:spPr>
+          <a:xfrm rot="2189589">
+            <a:off x="7505402" y="344601"/>
+            <a:ext cx="1726727" cy="553998"/>
+          </a:xfrm>
+          <a:prstGeom prst="rect">
+            <a:avLst/>
+          </a:prstGeom>
+          <a:noFill/>
+        </p:spPr>
+        <p:txBody>
+          <a:bodyPr wrap="square" rtlCol="0">
+            <a:spAutoFit/>
+          </a:bodyPr>
+          <a:lstStyle/>
+          <a:p>
+            <a:pPr algn="ctr"/>
+            <a:r>
+              <a:rPr lang="en-US" sz="3000" dirty="0">
+                <a:solidFill>
+                  <a:schemeClr val="accent1">
+                    <a:alpha val="61000"/>
+                  </a:schemeClr>
+                </a:solidFill>
+                <a:latin typeface="Impact" panose="020B0806030902050204" pitchFamily="34" charset="0"/>
+              </a:rPr>
+              <a:t>SAMPLE</a:t>
+            </a:r>
+          </a:p>
+        </p:txBody>
+      </p:sp>
+    </p:spTree>
+    <p:extLst>
+      <p:ext uri="{BB962C8B-B14F-4D97-AF65-F5344CB8AC3E}">
+        <p14:creationId xmlns:p14="http://schemas.microsoft.com/office/powerpoint/2010/main" val="2985059369"/>
       </p:ext>
     </p:extLst>
   </p:cSld>

--- a/defensive-publications/e-receipts.pptx
+++ b/defensive-publications/e-receipts.pptx
@@ -262,7 +262,7 @@
           <a:p>
             <a:fld id="{35CC73B5-F36B-4506-8E26-0B0C91D7503F}" type="datetimeFigureOut">
               <a:rPr lang="en-US" smtClean="0"/>
-              <a:t>2023-11-27</a:t>
+              <a:t>2023-12-07</a:t>
             </a:fld>
             <a:endParaRPr lang="en-US"/>
           </a:p>
@@ -550,7 +550,7 @@
           <a:p>
             <a:fld id="{35CC73B5-F36B-4506-8E26-0B0C91D7503F}" type="datetimeFigureOut">
               <a:rPr lang="en-US" smtClean="0"/>
-              <a:t>2023-11-27</a:t>
+              <a:t>2023-12-07</a:t>
             </a:fld>
             <a:endParaRPr lang="en-US"/>
           </a:p>
@@ -748,7 +748,7 @@
           <a:p>
             <a:fld id="{35CC73B5-F36B-4506-8E26-0B0C91D7503F}" type="datetimeFigureOut">
               <a:rPr lang="en-US" smtClean="0"/>
-              <a:t>2023-11-27</a:t>
+              <a:t>2023-12-07</a:t>
             </a:fld>
             <a:endParaRPr lang="en-US"/>
           </a:p>
@@ -956,7 +956,7 @@
           <a:p>
             <a:fld id="{35CC73B5-F36B-4506-8E26-0B0C91D7503F}" type="datetimeFigureOut">
               <a:rPr lang="en-US" smtClean="0"/>
-              <a:t>2023-11-27</a:t>
+              <a:t>2023-12-07</a:t>
             </a:fld>
             <a:endParaRPr lang="en-US"/>
           </a:p>
@@ -1160,7 +1160,7 @@
           <a:p>
             <a:fld id="{35CC73B5-F36B-4506-8E26-0B0C91D7503F}" type="datetimeFigureOut">
               <a:rPr lang="en-US" smtClean="0"/>
-              <a:t>2023-11-27</a:t>
+              <a:t>2023-12-07</a:t>
             </a:fld>
             <a:endParaRPr lang="en-US"/>
           </a:p>
@@ -1330,7 +1330,7 @@
           <a:p>
             <a:fld id="{35CC73B5-F36B-4506-8E26-0B0C91D7503F}" type="datetimeFigureOut">
               <a:rPr lang="en-US" smtClean="0"/>
-              <a:t>2023-11-27</a:t>
+              <a:t>2023-12-07</a:t>
             </a:fld>
             <a:endParaRPr lang="en-US" dirty="0"/>
           </a:p>
@@ -1574,7 +1574,7 @@
           <a:p>
             <a:fld id="{35CC73B5-F36B-4506-8E26-0B0C91D7503F}" type="datetimeFigureOut">
               <a:rPr lang="en-US" smtClean="0"/>
-              <a:t>2023-11-27</a:t>
+              <a:t>2023-12-07</a:t>
             </a:fld>
             <a:endParaRPr lang="en-US"/>
           </a:p>
@@ -1806,7 +1806,7 @@
           <a:p>
             <a:fld id="{35CC73B5-F36B-4506-8E26-0B0C91D7503F}" type="datetimeFigureOut">
               <a:rPr lang="en-US" smtClean="0"/>
-              <a:t>2023-11-27</a:t>
+              <a:t>2023-12-07</a:t>
             </a:fld>
             <a:endParaRPr lang="en-US"/>
           </a:p>
@@ -2173,7 +2173,7 @@
           <a:p>
             <a:fld id="{35CC73B5-F36B-4506-8E26-0B0C91D7503F}" type="datetimeFigureOut">
               <a:rPr lang="en-US" smtClean="0"/>
-              <a:t>2023-11-27</a:t>
+              <a:t>2023-12-07</a:t>
             </a:fld>
             <a:endParaRPr lang="en-US"/>
           </a:p>
@@ -2291,7 +2291,7 @@
           <a:p>
             <a:fld id="{35CC73B5-F36B-4506-8E26-0B0C91D7503F}" type="datetimeFigureOut">
               <a:rPr lang="en-US" smtClean="0"/>
-              <a:t>2023-11-27</a:t>
+              <a:t>2023-12-07</a:t>
             </a:fld>
             <a:endParaRPr lang="en-US"/>
           </a:p>
@@ -2386,7 +2386,7 @@
           <a:p>
             <a:fld id="{35CC73B5-F36B-4506-8E26-0B0C91D7503F}" type="datetimeFigureOut">
               <a:rPr lang="en-US" smtClean="0"/>
-              <a:t>2023-11-27</a:t>
+              <a:t>2023-12-07</a:t>
             </a:fld>
             <a:endParaRPr lang="en-US"/>
           </a:p>
@@ -2728,7 +2728,7 @@
           <a:p>
             <a:fld id="{35CC73B5-F36B-4506-8E26-0B0C91D7503F}" type="datetimeFigureOut">
               <a:rPr lang="en-US" smtClean="0"/>
-              <a:t>2023-11-27</a:t>
+              <a:t>2023-12-07</a:t>
             </a:fld>
             <a:endParaRPr lang="en-US"/>
           </a:p>
@@ -2985,7 +2985,7 @@
           <a:p>
             <a:fld id="{35CC73B5-F36B-4506-8E26-0B0C91D7503F}" type="datetimeFigureOut">
               <a:rPr lang="en-US" smtClean="0"/>
-              <a:t>2023-11-27</a:t>
+              <a:t>2023-12-07</a:t>
             </a:fld>
             <a:endParaRPr lang="en-US"/>
           </a:p>
@@ -3155,7 +3155,7 @@
           <a:p>
             <a:fld id="{35CC73B5-F36B-4506-8E26-0B0C91D7503F}" type="datetimeFigureOut">
               <a:rPr lang="en-US" smtClean="0"/>
-              <a:t>2023-11-27</a:t>
+              <a:t>2023-12-07</a:t>
             </a:fld>
             <a:endParaRPr lang="en-US"/>
           </a:p>
@@ -3335,7 +3335,7 @@
           <a:p>
             <a:fld id="{35CC73B5-F36B-4506-8E26-0B0C91D7503F}" type="datetimeFigureOut">
               <a:rPr lang="en-US" smtClean="0"/>
-              <a:t>2023-11-27</a:t>
+              <a:t>2023-12-07</a:t>
             </a:fld>
             <a:endParaRPr lang="en-US"/>
           </a:p>
@@ -3594,7 +3594,7 @@
           <a:p>
             <a:fld id="{35CC73B5-F36B-4506-8E26-0B0C91D7503F}" type="datetimeFigureOut">
               <a:rPr lang="en-US" smtClean="0"/>
-              <a:t>2023-11-27</a:t>
+              <a:t>2023-12-07</a:t>
             </a:fld>
             <a:endParaRPr lang="en-US" dirty="0"/>
           </a:p>
@@ -3869,7 +3869,7 @@
           <a:p>
             <a:fld id="{35CC73B5-F36B-4506-8E26-0B0C91D7503F}" type="datetimeFigureOut">
               <a:rPr lang="en-US" smtClean="0"/>
-              <a:t>2023-11-27</a:t>
+              <a:t>2023-12-07</a:t>
             </a:fld>
             <a:endParaRPr lang="en-US"/>
           </a:p>
@@ -4134,7 +4134,7 @@
           <a:p>
             <a:fld id="{35CC73B5-F36B-4506-8E26-0B0C91D7503F}" type="datetimeFigureOut">
               <a:rPr lang="en-US" smtClean="0"/>
-              <a:t>2023-11-27</a:t>
+              <a:t>2023-12-07</a:t>
             </a:fld>
             <a:endParaRPr lang="en-US"/>
           </a:p>
@@ -4546,7 +4546,7 @@
           <a:p>
             <a:fld id="{35CC73B5-F36B-4506-8E26-0B0C91D7503F}" type="datetimeFigureOut">
               <a:rPr lang="en-US" smtClean="0"/>
-              <a:t>2023-11-27</a:t>
+              <a:t>2023-12-07</a:t>
             </a:fld>
             <a:endParaRPr lang="en-US"/>
           </a:p>
@@ -4687,7 +4687,7 @@
           <a:p>
             <a:fld id="{35CC73B5-F36B-4506-8E26-0B0C91D7503F}" type="datetimeFigureOut">
               <a:rPr lang="en-US" smtClean="0"/>
-              <a:t>2023-11-27</a:t>
+              <a:t>2023-12-07</a:t>
             </a:fld>
             <a:endParaRPr lang="en-US"/>
           </a:p>
@@ -4800,7 +4800,7 @@
           <a:p>
             <a:fld id="{35CC73B5-F36B-4506-8E26-0B0C91D7503F}" type="datetimeFigureOut">
               <a:rPr lang="en-US" smtClean="0"/>
-              <a:t>2023-11-27</a:t>
+              <a:t>2023-12-07</a:t>
             </a:fld>
             <a:endParaRPr lang="en-US"/>
           </a:p>
@@ -5111,7 +5111,7 @@
           <a:p>
             <a:fld id="{35CC73B5-F36B-4506-8E26-0B0C91D7503F}" type="datetimeFigureOut">
               <a:rPr lang="en-US" smtClean="0"/>
-              <a:t>2023-11-27</a:t>
+              <a:t>2023-12-07</a:t>
             </a:fld>
             <a:endParaRPr lang="en-US"/>
           </a:p>
@@ -5352,7 +5352,7 @@
           <a:p>
             <a:fld id="{35CC73B5-F36B-4506-8E26-0B0C91D7503F}" type="datetimeFigureOut">
               <a:rPr lang="en-US" smtClean="0"/>
-              <a:t>2023-11-27</a:t>
+              <a:t>2023-12-07</a:t>
             </a:fld>
             <a:endParaRPr lang="en-US"/>
           </a:p>
@@ -5905,7 +5905,7 @@
           <a:p>
             <a:fld id="{35CC73B5-F36B-4506-8E26-0B0C91D7503F}" type="datetimeFigureOut">
               <a:rPr lang="en-US" smtClean="0"/>
-              <a:t>2023-11-27</a:t>
+              <a:t>2023-12-07</a:t>
             </a:fld>
             <a:endParaRPr lang="en-US"/>
           </a:p>
@@ -7103,6 +7103,170 @@
                 <a:latin typeface="Impact" panose="020B0806030902050204" pitchFamily="34" charset="0"/>
               </a:rPr>
               <a:t>OBSOLETE</a:t>
+            </a:r>
+          </a:p>
+        </p:txBody>
+      </p:sp>
+      <p:sp>
+        <p:nvSpPr>
+          <p:cNvPr id="2" name="Right Brace 1">
+            <a:extLst>
+              <a:ext uri="{FF2B5EF4-FFF2-40B4-BE49-F238E27FC236}">
+                <a16:creationId xmlns:a16="http://schemas.microsoft.com/office/drawing/2014/main" id="{3F0B5EFE-29C7-5E14-9D48-672C0D28D648}"/>
+              </a:ext>
+            </a:extLst>
+          </p:cNvPr>
+          <p:cNvSpPr/>
+          <p:nvPr/>
+        </p:nvSpPr>
+        <p:spPr>
+          <a:xfrm>
+            <a:off x="3291841" y="2079607"/>
+            <a:ext cx="193330" cy="966651"/>
+          </a:xfrm>
+          <a:prstGeom prst="rightBrace">
+            <a:avLst/>
+          </a:prstGeom>
+          <a:ln w="9525">
+            <a:solidFill>
+              <a:schemeClr val="tx1"/>
+            </a:solidFill>
+          </a:ln>
+        </p:spPr>
+        <p:style>
+          <a:lnRef idx="1">
+            <a:schemeClr val="accent1"/>
+          </a:lnRef>
+          <a:fillRef idx="0">
+            <a:schemeClr val="accent1"/>
+          </a:fillRef>
+          <a:effectRef idx="0">
+            <a:schemeClr val="accent1"/>
+          </a:effectRef>
+          <a:fontRef idx="minor">
+            <a:schemeClr val="tx1"/>
+          </a:fontRef>
+        </p:style>
+        <p:txBody>
+          <a:bodyPr rtlCol="0" anchor="ctr"/>
+          <a:lstStyle/>
+          <a:p>
+            <a:pPr algn="ctr"/>
+            <a:endParaRPr lang="en-US"/>
+          </a:p>
+        </p:txBody>
+      </p:sp>
+      <p:sp>
+        <p:nvSpPr>
+          <p:cNvPr id="3" name="TextBox 2">
+            <a:extLst>
+              <a:ext uri="{FF2B5EF4-FFF2-40B4-BE49-F238E27FC236}">
+                <a16:creationId xmlns:a16="http://schemas.microsoft.com/office/drawing/2014/main" id="{7FB84BD6-E5DB-2DF9-BCB9-ECF5F4E1A636}"/>
+              </a:ext>
+            </a:extLst>
+          </p:cNvPr>
+          <p:cNvSpPr txBox="1"/>
+          <p:nvPr/>
+        </p:nvSpPr>
+        <p:spPr>
+          <a:xfrm>
+            <a:off x="3463706" y="2393655"/>
+            <a:ext cx="2936947" cy="338554"/>
+          </a:xfrm>
+          <a:prstGeom prst="rect">
+            <a:avLst/>
+          </a:prstGeom>
+          <a:noFill/>
+        </p:spPr>
+        <p:txBody>
+          <a:bodyPr wrap="square" rtlCol="0">
+            <a:spAutoFit/>
+          </a:bodyPr>
+          <a:lstStyle/>
+          <a:p>
+            <a:r>
+              <a:rPr lang="en-US" sz="1600" dirty="0"/>
+              <a:t>Non-normative sample request</a:t>
+            </a:r>
+          </a:p>
+        </p:txBody>
+      </p:sp>
+      <p:sp>
+        <p:nvSpPr>
+          <p:cNvPr id="12" name="Rectangle: Rounded Corners 11">
+            <a:extLst>
+              <a:ext uri="{FF2B5EF4-FFF2-40B4-BE49-F238E27FC236}">
+                <a16:creationId xmlns:a16="http://schemas.microsoft.com/office/drawing/2014/main" id="{75B63814-13D5-CC6E-C48A-A69C81042D1B}"/>
+              </a:ext>
+            </a:extLst>
+          </p:cNvPr>
+          <p:cNvSpPr/>
+          <p:nvPr/>
+        </p:nvSpPr>
+        <p:spPr>
+          <a:xfrm>
+            <a:off x="8001610" y="173439"/>
+            <a:ext cx="944653" cy="497384"/>
+          </a:xfrm>
+          <a:prstGeom prst="roundRect">
+            <a:avLst>
+              <a:gd name="adj" fmla="val 13744"/>
+            </a:avLst>
+          </a:prstGeom>
+          <a:noFill/>
+        </p:spPr>
+        <p:style>
+          <a:lnRef idx="2">
+            <a:schemeClr val="accent1">
+              <a:shade val="15000"/>
+            </a:schemeClr>
+          </a:lnRef>
+          <a:fillRef idx="1">
+            <a:schemeClr val="accent1"/>
+          </a:fillRef>
+          <a:effectRef idx="0">
+            <a:schemeClr val="accent1"/>
+          </a:effectRef>
+          <a:fontRef idx="minor">
+            <a:schemeClr val="lt1"/>
+          </a:fontRef>
+        </p:style>
+        <p:txBody>
+          <a:bodyPr wrap="none" lIns="36000" tIns="0" rIns="36000" bIns="0" rtlCol="0" anchor="ctr">
+            <a:spAutoFit/>
+          </a:bodyPr>
+          <a:lstStyle/>
+          <a:p>
+            <a:pPr algn="ctr"/>
+            <a:r>
+              <a:rPr lang="en-US" sz="1000" dirty="0">
+                <a:solidFill>
+                  <a:schemeClr val="tx1"/>
+                </a:solidFill>
+              </a:rPr>
+              <a:t>This invention is</a:t>
+            </a:r>
+          </a:p>
+          <a:p>
+            <a:pPr algn="ctr"/>
+            <a:r>
+              <a:rPr lang="en-US" sz="1000" dirty="0">
+                <a:solidFill>
+                  <a:schemeClr val="tx1"/>
+                </a:solidFill>
+              </a:rPr>
+              <a:t>herby put in the</a:t>
+            </a:r>
+          </a:p>
+          <a:p>
+            <a:pPr algn="ctr"/>
+            <a:r>
+              <a:rPr lang="en-US" sz="1000" dirty="0">
+                <a:solidFill>
+                  <a:schemeClr val="tx1"/>
+                </a:solidFill>
+              </a:rPr>
+              <a:t>public domain</a:t>
             </a:r>
           </a:p>
         </p:txBody>

--- a/defensive-publications/e-receipts.pptx
+++ b/defensive-publications/e-receipts.pptx
@@ -262,7 +262,7 @@
           <a:p>
             <a:fld id="{35CC73B5-F36B-4506-8E26-0B0C91D7503F}" type="datetimeFigureOut">
               <a:rPr lang="en-US" smtClean="0"/>
-              <a:t>2023-12-07</a:t>
+              <a:t>2023-12-29</a:t>
             </a:fld>
             <a:endParaRPr lang="en-US"/>
           </a:p>
@@ -550,7 +550,7 @@
           <a:p>
             <a:fld id="{35CC73B5-F36B-4506-8E26-0B0C91D7503F}" type="datetimeFigureOut">
               <a:rPr lang="en-US" smtClean="0"/>
-              <a:t>2023-12-07</a:t>
+              <a:t>2023-12-29</a:t>
             </a:fld>
             <a:endParaRPr lang="en-US"/>
           </a:p>
@@ -748,7 +748,7 @@
           <a:p>
             <a:fld id="{35CC73B5-F36B-4506-8E26-0B0C91D7503F}" type="datetimeFigureOut">
               <a:rPr lang="en-US" smtClean="0"/>
-              <a:t>2023-12-07</a:t>
+              <a:t>2023-12-29</a:t>
             </a:fld>
             <a:endParaRPr lang="en-US"/>
           </a:p>
@@ -956,7 +956,7 @@
           <a:p>
             <a:fld id="{35CC73B5-F36B-4506-8E26-0B0C91D7503F}" type="datetimeFigureOut">
               <a:rPr lang="en-US" smtClean="0"/>
-              <a:t>2023-12-07</a:t>
+              <a:t>2023-12-29</a:t>
             </a:fld>
             <a:endParaRPr lang="en-US"/>
           </a:p>
@@ -1160,7 +1160,7 @@
           <a:p>
             <a:fld id="{35CC73B5-F36B-4506-8E26-0B0C91D7503F}" type="datetimeFigureOut">
               <a:rPr lang="en-US" smtClean="0"/>
-              <a:t>2023-12-07</a:t>
+              <a:t>2023-12-29</a:t>
             </a:fld>
             <a:endParaRPr lang="en-US"/>
           </a:p>
@@ -1330,7 +1330,7 @@
           <a:p>
             <a:fld id="{35CC73B5-F36B-4506-8E26-0B0C91D7503F}" type="datetimeFigureOut">
               <a:rPr lang="en-US" smtClean="0"/>
-              <a:t>2023-12-07</a:t>
+              <a:t>2023-12-29</a:t>
             </a:fld>
             <a:endParaRPr lang="en-US" dirty="0"/>
           </a:p>
@@ -1574,7 +1574,7 @@
           <a:p>
             <a:fld id="{35CC73B5-F36B-4506-8E26-0B0C91D7503F}" type="datetimeFigureOut">
               <a:rPr lang="en-US" smtClean="0"/>
-              <a:t>2023-12-07</a:t>
+              <a:t>2023-12-29</a:t>
             </a:fld>
             <a:endParaRPr lang="en-US"/>
           </a:p>
@@ -1806,7 +1806,7 @@
           <a:p>
             <a:fld id="{35CC73B5-F36B-4506-8E26-0B0C91D7503F}" type="datetimeFigureOut">
               <a:rPr lang="en-US" smtClean="0"/>
-              <a:t>2023-12-07</a:t>
+              <a:t>2023-12-29</a:t>
             </a:fld>
             <a:endParaRPr lang="en-US"/>
           </a:p>
@@ -2173,7 +2173,7 @@
           <a:p>
             <a:fld id="{35CC73B5-F36B-4506-8E26-0B0C91D7503F}" type="datetimeFigureOut">
               <a:rPr lang="en-US" smtClean="0"/>
-              <a:t>2023-12-07</a:t>
+              <a:t>2023-12-29</a:t>
             </a:fld>
             <a:endParaRPr lang="en-US"/>
           </a:p>
@@ -2291,7 +2291,7 @@
           <a:p>
             <a:fld id="{35CC73B5-F36B-4506-8E26-0B0C91D7503F}" type="datetimeFigureOut">
               <a:rPr lang="en-US" smtClean="0"/>
-              <a:t>2023-12-07</a:t>
+              <a:t>2023-12-29</a:t>
             </a:fld>
             <a:endParaRPr lang="en-US"/>
           </a:p>
@@ -2386,7 +2386,7 @@
           <a:p>
             <a:fld id="{35CC73B5-F36B-4506-8E26-0B0C91D7503F}" type="datetimeFigureOut">
               <a:rPr lang="en-US" smtClean="0"/>
-              <a:t>2023-12-07</a:t>
+              <a:t>2023-12-29</a:t>
             </a:fld>
             <a:endParaRPr lang="en-US"/>
           </a:p>
@@ -2728,7 +2728,7 @@
           <a:p>
             <a:fld id="{35CC73B5-F36B-4506-8E26-0B0C91D7503F}" type="datetimeFigureOut">
               <a:rPr lang="en-US" smtClean="0"/>
-              <a:t>2023-12-07</a:t>
+              <a:t>2023-12-29</a:t>
             </a:fld>
             <a:endParaRPr lang="en-US"/>
           </a:p>
@@ -2985,7 +2985,7 @@
           <a:p>
             <a:fld id="{35CC73B5-F36B-4506-8E26-0B0C91D7503F}" type="datetimeFigureOut">
               <a:rPr lang="en-US" smtClean="0"/>
-              <a:t>2023-12-07</a:t>
+              <a:t>2023-12-29</a:t>
             </a:fld>
             <a:endParaRPr lang="en-US"/>
           </a:p>
@@ -3155,7 +3155,7 @@
           <a:p>
             <a:fld id="{35CC73B5-F36B-4506-8E26-0B0C91D7503F}" type="datetimeFigureOut">
               <a:rPr lang="en-US" smtClean="0"/>
-              <a:t>2023-12-07</a:t>
+              <a:t>2023-12-29</a:t>
             </a:fld>
             <a:endParaRPr lang="en-US"/>
           </a:p>
@@ -3335,7 +3335,7 @@
           <a:p>
             <a:fld id="{35CC73B5-F36B-4506-8E26-0B0C91D7503F}" type="datetimeFigureOut">
               <a:rPr lang="en-US" smtClean="0"/>
-              <a:t>2023-12-07</a:t>
+              <a:t>2023-12-29</a:t>
             </a:fld>
             <a:endParaRPr lang="en-US"/>
           </a:p>
@@ -3594,7 +3594,7 @@
           <a:p>
             <a:fld id="{35CC73B5-F36B-4506-8E26-0B0C91D7503F}" type="datetimeFigureOut">
               <a:rPr lang="en-US" smtClean="0"/>
-              <a:t>2023-12-07</a:t>
+              <a:t>2023-12-29</a:t>
             </a:fld>
             <a:endParaRPr lang="en-US" dirty="0"/>
           </a:p>
@@ -3869,7 +3869,7 @@
           <a:p>
             <a:fld id="{35CC73B5-F36B-4506-8E26-0B0C91D7503F}" type="datetimeFigureOut">
               <a:rPr lang="en-US" smtClean="0"/>
-              <a:t>2023-12-07</a:t>
+              <a:t>2023-12-29</a:t>
             </a:fld>
             <a:endParaRPr lang="en-US"/>
           </a:p>
@@ -4134,7 +4134,7 @@
           <a:p>
             <a:fld id="{35CC73B5-F36B-4506-8E26-0B0C91D7503F}" type="datetimeFigureOut">
               <a:rPr lang="en-US" smtClean="0"/>
-              <a:t>2023-12-07</a:t>
+              <a:t>2023-12-29</a:t>
             </a:fld>
             <a:endParaRPr lang="en-US"/>
           </a:p>
@@ -4546,7 +4546,7 @@
           <a:p>
             <a:fld id="{35CC73B5-F36B-4506-8E26-0B0C91D7503F}" type="datetimeFigureOut">
               <a:rPr lang="en-US" smtClean="0"/>
-              <a:t>2023-12-07</a:t>
+              <a:t>2023-12-29</a:t>
             </a:fld>
             <a:endParaRPr lang="en-US"/>
           </a:p>
@@ -4687,7 +4687,7 @@
           <a:p>
             <a:fld id="{35CC73B5-F36B-4506-8E26-0B0C91D7503F}" type="datetimeFigureOut">
               <a:rPr lang="en-US" smtClean="0"/>
-              <a:t>2023-12-07</a:t>
+              <a:t>2023-12-29</a:t>
             </a:fld>
             <a:endParaRPr lang="en-US"/>
           </a:p>
@@ -4800,7 +4800,7 @@
           <a:p>
             <a:fld id="{35CC73B5-F36B-4506-8E26-0B0C91D7503F}" type="datetimeFigureOut">
               <a:rPr lang="en-US" smtClean="0"/>
-              <a:t>2023-12-07</a:t>
+              <a:t>2023-12-29</a:t>
             </a:fld>
             <a:endParaRPr lang="en-US"/>
           </a:p>
@@ -5111,7 +5111,7 @@
           <a:p>
             <a:fld id="{35CC73B5-F36B-4506-8E26-0B0C91D7503F}" type="datetimeFigureOut">
               <a:rPr lang="en-US" smtClean="0"/>
-              <a:t>2023-12-07</a:t>
+              <a:t>2023-12-29</a:t>
             </a:fld>
             <a:endParaRPr lang="en-US"/>
           </a:p>
@@ -5352,7 +5352,7 @@
           <a:p>
             <a:fld id="{35CC73B5-F36B-4506-8E26-0B0C91D7503F}" type="datetimeFigureOut">
               <a:rPr lang="en-US" smtClean="0"/>
-              <a:t>2023-12-07</a:t>
+              <a:t>2023-12-29</a:t>
             </a:fld>
             <a:endParaRPr lang="en-US"/>
           </a:p>
@@ -5905,7 +5905,7 @@
           <a:p>
             <a:fld id="{35CC73B5-F36B-4506-8E26-0B0C91D7503F}" type="datetimeFigureOut">
               <a:rPr lang="en-US" smtClean="0"/>
-              <a:t>2023-12-07</a:t>
+              <a:t>2023-12-29</a:t>
             </a:fld>
             <a:endParaRPr lang="en-US"/>
           </a:p>
@@ -6297,6 +6297,35 @@
 <file path=ppt/slides/slide1.xml><?xml version="1.0" encoding="utf-8"?>
 <p:sld xmlns:a="http://schemas.openxmlformats.org/drawingml/2006/main" xmlns:r="http://schemas.openxmlformats.org/officeDocument/2006/relationships" xmlns:p="http://schemas.openxmlformats.org/presentationml/2006/main">
   <p:cSld>
+    <p:bg>
+      <p:bgPr>
+        <a:gradFill flip="none" rotWithShape="1">
+          <a:gsLst>
+            <a:gs pos="49000">
+              <a:schemeClr val="accent1">
+                <a:lumMod val="5000"/>
+                <a:lumOff val="95000"/>
+              </a:schemeClr>
+            </a:gs>
+            <a:gs pos="0">
+              <a:schemeClr val="accent1">
+                <a:lumMod val="45000"/>
+                <a:lumOff val="55000"/>
+              </a:schemeClr>
+            </a:gs>
+            <a:gs pos="100000">
+              <a:schemeClr val="accent1">
+                <a:lumMod val="30000"/>
+                <a:lumOff val="70000"/>
+              </a:schemeClr>
+            </a:gs>
+          </a:gsLst>
+          <a:lin ang="8100000" scaled="1"/>
+          <a:tileRect/>
+        </a:gradFill>
+        <a:effectLst/>
+      </p:bgPr>
+    </p:bg>
     <p:spTree>
       <p:nvGrpSpPr>
         <p:cNvPr id="1" name=""/>
@@ -6774,7 +6803,9 @@
             <a:r>
               <a:rPr lang="en-US" sz="1350" dirty="0">
                 <a:solidFill>
-                  <a:schemeClr val="accent1"/>
+                  <a:schemeClr val="accent1">
+                    <a:lumMod val="75000"/>
+                  </a:schemeClr>
                 </a:solidFill>
               </a:rPr>
               <a:t>Receipt</a:t>
@@ -6805,7 +6836,9 @@
             <a:r>
               <a:rPr lang="en-US" sz="1350" dirty="0">
                 <a:solidFill>
-                  <a:schemeClr val="accent1"/>
+                  <a:schemeClr val="accent1">
+                    <a:lumMod val="75000"/>
+                  </a:schemeClr>
                 </a:solidFill>
               </a:rPr>
               <a:t>Receipt</a:t>
@@ -6990,7 +7023,9 @@
             <a:r>
               <a:rPr lang="en-US" sz="1350" dirty="0">
                 <a:solidFill>
-                  <a:schemeClr val="accent1"/>
+                  <a:schemeClr val="accent1">
+                    <a:lumMod val="75000"/>
+                  </a:schemeClr>
                 </a:solidFill>
               </a:rPr>
               <a:t>Receipt</a:t>
@@ -7063,6 +7098,13 @@
           <a:prstGeom prst="rect">
             <a:avLst/>
           </a:prstGeom>
+          <a:effectLst>
+            <a:outerShdw blurRad="50800" dist="38100" dir="2700000" algn="tl" rotWithShape="0">
+              <a:prstClr val="black">
+                <a:alpha val="40000"/>
+              </a:prstClr>
+            </a:outerShdw>
+          </a:effectLst>
         </p:spPr>
       </p:pic>
       <p:sp>
@@ -7096,7 +7138,8 @@
             <a:r>
               <a:rPr lang="en-US" sz="3000" dirty="0">
                 <a:solidFill>
-                  <a:schemeClr val="accent1">
+                  <a:schemeClr val="accent6">
+                    <a:lumMod val="75000"/>
                     <a:alpha val="61000"/>
                   </a:schemeClr>
                 </a:solidFill>
@@ -7316,7 +7359,7 @@
         <p:spPr>
           <a:xfrm>
             <a:off x="977957" y="1751355"/>
-            <a:ext cx="6387474" cy="1777410"/>
+            <a:ext cx="6387474" cy="1985159"/>
           </a:xfrm>
           <a:prstGeom prst="rect">
             <a:avLst/>
@@ -7338,7 +7381,7 @@
             </a:pPr>
             <a:r>
               <a:rPr lang="en-US" sz="1350" dirty="0"/>
-              <a:t>The proposed information flow is supposed to be compatible with direct payments as well as two-phase payments.</a:t>
+              <a:t>The proposed information flow is supposed to be compatible with direct payments as well as multiphase-phase payments, and deposits.</a:t>
             </a:r>
           </a:p>
           <a:p>
@@ -7354,7 +7397,9 @@
               <a:t>The use of a randomized </a:t>
             </a:r>
             <a:r>
-              <a:rPr lang="en-US" sz="1350" dirty="0" err="1"/>
+              <a:rPr lang="en-US" sz="1350" dirty="0" err="1">
+                <a:latin typeface="Lucida Console" panose="020B0609040504020204" pitchFamily="49" charset="0"/>
+              </a:rPr>
               <a:t>receiptUrl</a:t>
             </a:r>
             <a:r>
@@ -7375,7 +7420,9 @@
               <a:t>By supplying the </a:t>
             </a:r>
             <a:r>
-              <a:rPr lang="en-US" sz="1350" dirty="0" err="1"/>
+              <a:rPr lang="en-US" sz="1350" dirty="0" err="1">
+                <a:latin typeface="Lucida Console" panose="020B0609040504020204" pitchFamily="49" charset="0"/>
+              </a:rPr>
               <a:t>receiptUrl</a:t>
             </a:r>
             <a:r>
@@ -7669,7 +7716,8 @@
             <a:r>
               <a:rPr lang="en-US" sz="3000" dirty="0">
                 <a:solidFill>
-                  <a:schemeClr val="accent1">
+                  <a:schemeClr val="accent6">
+                    <a:lumMod val="75000"/>
                     <a:alpha val="61000"/>
                   </a:schemeClr>
                 </a:solidFill>
